--- a/doc/商城设计PPT.pptx
+++ b/doc/商城设计PPT.pptx
@@ -5,12 +5,12 @@
     <p:sldMasterId id="2147483648" r:id="rId1"/>
   </p:sldMasterIdLst>
   <p:sldIdLst>
-    <p:sldId id="256" r:id="rId2"/>
-    <p:sldId id="257" r:id="rId3"/>
-    <p:sldId id="258" r:id="rId4"/>
-    <p:sldId id="259" r:id="rId5"/>
-    <p:sldId id="260" r:id="rId6"/>
-    <p:sldId id="262" r:id="rId7"/>
+    <p:sldId id="256" r:id="rId3"/>
+    <p:sldId id="257" r:id="rId4"/>
+    <p:sldId id="258" r:id="rId5"/>
+    <p:sldId id="259" r:id="rId6"/>
+    <p:sldId id="260" r:id="rId7"/>
+    <p:sldId id="262" r:id="rId8"/>
   </p:sldIdLst>
   <p:sldSz cx="12192000" cy="6858000"/>
   <p:notesSz cx="6858000" cy="9144000"/>
@@ -112,10 +112,6 @@
 </p:presentation>
 </file>
 
-<file path=ppt/revisionInfo.xml><?xml version="1.0" encoding="utf-8"?>
-<p1510:revInfo xmlns:a="http://schemas.openxmlformats.org/drawingml/2006/main" xmlns:r="http://schemas.openxmlformats.org/officeDocument/2006/relationships" xmlns:p1510="http://schemas.microsoft.com/office/powerpoint/2015/10/main"/>
-</file>
-
 <file path=ppt/slideLayouts/slideLayout1.xml><?xml version="1.0" encoding="utf-8"?>
 <p:sldLayout xmlns:a="http://schemas.openxmlformats.org/drawingml/2006/main" xmlns:r="http://schemas.openxmlformats.org/officeDocument/2006/relationships" xmlns:p="http://schemas.openxmlformats.org/presentationml/2006/main" type="title" preserve="1">
   <p:cSld name="标题幻灯片">
@@ -135,13 +131,7 @@
       </p:grpSpPr>
       <p:sp>
         <p:nvSpPr>
-          <p:cNvPr id="2" name="标题 1">
-            <a:extLst>
-              <a:ext uri="{FF2B5EF4-FFF2-40B4-BE49-F238E27FC236}">
-                <a16:creationId xmlns:a16="http://schemas.microsoft.com/office/drawing/2014/main" id="{5231EAC4-93F8-403D-BC54-BDDD49C9B3CC}"/>
-              </a:ext>
-            </a:extLst>
-          </p:cNvPr>
+          <p:cNvPr id="2" name="标题 1"/>
           <p:cNvSpPr>
             <a:spLocks noGrp="1"/>
           </p:cNvSpPr>
@@ -172,18 +162,12 @@
       </p:sp>
       <p:sp>
         <p:nvSpPr>
-          <p:cNvPr id="3" name="副标题 2">
-            <a:extLst>
-              <a:ext uri="{FF2B5EF4-FFF2-40B4-BE49-F238E27FC236}">
-                <a16:creationId xmlns:a16="http://schemas.microsoft.com/office/drawing/2014/main" id="{40120E27-237C-4292-A8EC-BEBEAFF446BA}"/>
-              </a:ext>
-            </a:extLst>
-          </p:cNvPr>
-          <p:cNvSpPr>
-            <a:spLocks noGrp="1"/>
-          </p:cNvSpPr>
-          <p:nvPr>
-            <p:ph type="subTitle" idx="1"/>
+          <p:cNvPr id="3" name="副标题 2"/>
+          <p:cNvSpPr>
+            <a:spLocks noGrp="1"/>
+          </p:cNvSpPr>
+          <p:nvPr>
+            <p:ph type="subTitle" idx="1" hasCustomPrompt="1"/>
           </p:nvPr>
         </p:nvSpPr>
         <p:spPr>
@@ -242,13 +226,7 @@
       </p:sp>
       <p:sp>
         <p:nvSpPr>
-          <p:cNvPr id="4" name="日期占位符 3">
-            <a:extLst>
-              <a:ext uri="{FF2B5EF4-FFF2-40B4-BE49-F238E27FC236}">
-                <a16:creationId xmlns:a16="http://schemas.microsoft.com/office/drawing/2014/main" id="{07DF2C6F-AD83-49D0-9643-F07EA48E66F2}"/>
-              </a:ext>
-            </a:extLst>
-          </p:cNvPr>
+          <p:cNvPr id="4" name="日期占位符 3"/>
           <p:cNvSpPr>
             <a:spLocks noGrp="1"/>
           </p:cNvSpPr>
@@ -263,7 +241,6 @@
           <a:p>
             <a:fld id="{A4CF11D9-4925-4C55-8C47-9A43BE7063E1}" type="datetimeFigureOut">
               <a:rPr lang="zh-CN" altLang="en-US" smtClean="0"/>
-              <a:t>2017/6/28</a:t>
             </a:fld>
             <a:endParaRPr lang="zh-CN" altLang="en-US"/>
           </a:p>
@@ -271,13 +248,7 @@
       </p:sp>
       <p:sp>
         <p:nvSpPr>
-          <p:cNvPr id="5" name="页脚占位符 4">
-            <a:extLst>
-              <a:ext uri="{FF2B5EF4-FFF2-40B4-BE49-F238E27FC236}">
-                <a16:creationId xmlns:a16="http://schemas.microsoft.com/office/drawing/2014/main" id="{B81D1AA1-98D0-497D-A24E-AEE7B1227F02}"/>
-              </a:ext>
-            </a:extLst>
-          </p:cNvPr>
+          <p:cNvPr id="5" name="页脚占位符 4"/>
           <p:cNvSpPr>
             <a:spLocks noGrp="1"/>
           </p:cNvSpPr>
@@ -296,13 +267,7 @@
       </p:sp>
       <p:sp>
         <p:nvSpPr>
-          <p:cNvPr id="6" name="灯片编号占位符 5">
-            <a:extLst>
-              <a:ext uri="{FF2B5EF4-FFF2-40B4-BE49-F238E27FC236}">
-                <a16:creationId xmlns:a16="http://schemas.microsoft.com/office/drawing/2014/main" id="{F37F4FDA-2FA3-49E1-B63B-502149397C65}"/>
-              </a:ext>
-            </a:extLst>
-          </p:cNvPr>
+          <p:cNvPr id="6" name="灯片编号占位符 5"/>
           <p:cNvSpPr>
             <a:spLocks noGrp="1"/>
           </p:cNvSpPr>
@@ -317,18 +282,12 @@
           <a:p>
             <a:fld id="{05B5510B-0BA4-484C-B39E-52421444D824}" type="slidenum">
               <a:rPr lang="zh-CN" altLang="en-US" smtClean="0"/>
-              <a:t>‹#›</a:t>
             </a:fld>
             <a:endParaRPr lang="zh-CN" altLang="en-US"/>
           </a:p>
         </p:txBody>
       </p:sp>
     </p:spTree>
-    <p:extLst>
-      <p:ext uri="{BB962C8B-B14F-4D97-AF65-F5344CB8AC3E}">
-        <p14:creationId xmlns:p14="http://schemas.microsoft.com/office/powerpoint/2010/main" val="655412540"/>
-      </p:ext>
-    </p:extLst>
   </p:cSld>
   <p:clrMapOvr>
     <a:masterClrMapping/>
@@ -355,13 +314,7 @@
       </p:grpSpPr>
       <p:sp>
         <p:nvSpPr>
-          <p:cNvPr id="2" name="标题 1">
-            <a:extLst>
-              <a:ext uri="{FF2B5EF4-FFF2-40B4-BE49-F238E27FC236}">
-                <a16:creationId xmlns:a16="http://schemas.microsoft.com/office/drawing/2014/main" id="{B308394F-C97A-4188-B14C-860B800F2B19}"/>
-              </a:ext>
-            </a:extLst>
-          </p:cNvPr>
+          <p:cNvPr id="2" name="标题 1"/>
           <p:cNvSpPr>
             <a:spLocks noGrp="1"/>
           </p:cNvSpPr>
@@ -383,18 +336,12 @@
       </p:sp>
       <p:sp>
         <p:nvSpPr>
-          <p:cNvPr id="3" name="竖排文字占位符 2">
-            <a:extLst>
-              <a:ext uri="{FF2B5EF4-FFF2-40B4-BE49-F238E27FC236}">
-                <a16:creationId xmlns:a16="http://schemas.microsoft.com/office/drawing/2014/main" id="{0FAFA998-EDDC-4296-847E-0C2853F9FFA9}"/>
-              </a:ext>
-            </a:extLst>
-          </p:cNvPr>
-          <p:cNvSpPr>
-            <a:spLocks noGrp="1"/>
-          </p:cNvSpPr>
-          <p:nvPr>
-            <p:ph type="body" orient="vert" idx="1"/>
+          <p:cNvPr id="3" name="竖排文字占位符 2"/>
+          <p:cNvSpPr>
+            <a:spLocks noGrp="1"/>
+          </p:cNvSpPr>
+          <p:nvPr>
+            <p:ph type="body" orient="vert" idx="1" hasCustomPrompt="1"/>
           </p:nvPr>
         </p:nvSpPr>
         <p:spPr/>
@@ -407,6 +354,7 @@
               <a:rPr lang="zh-CN" altLang="en-US"/>
               <a:t>编辑母版文本样式</a:t>
             </a:r>
+            <a:endParaRPr lang="zh-CN" altLang="en-US"/>
           </a:p>
           <a:p>
             <a:pPr lvl="1"/>
@@ -414,6 +362,7 @@
               <a:rPr lang="zh-CN" altLang="en-US"/>
               <a:t>第二级</a:t>
             </a:r>
+            <a:endParaRPr lang="zh-CN" altLang="en-US"/>
           </a:p>
           <a:p>
             <a:pPr lvl="2"/>
@@ -421,6 +370,7 @@
               <a:rPr lang="zh-CN" altLang="en-US"/>
               <a:t>第三级</a:t>
             </a:r>
+            <a:endParaRPr lang="zh-CN" altLang="en-US"/>
           </a:p>
           <a:p>
             <a:pPr lvl="3"/>
@@ -428,6 +378,7 @@
               <a:rPr lang="zh-CN" altLang="en-US"/>
               <a:t>第四级</a:t>
             </a:r>
+            <a:endParaRPr lang="zh-CN" altLang="en-US"/>
           </a:p>
           <a:p>
             <a:pPr lvl="4"/>
@@ -440,13 +391,7 @@
       </p:sp>
       <p:sp>
         <p:nvSpPr>
-          <p:cNvPr id="4" name="日期占位符 3">
-            <a:extLst>
-              <a:ext uri="{FF2B5EF4-FFF2-40B4-BE49-F238E27FC236}">
-                <a16:creationId xmlns:a16="http://schemas.microsoft.com/office/drawing/2014/main" id="{8FA3A839-6D12-49D2-9805-1F95F042B1AF}"/>
-              </a:ext>
-            </a:extLst>
-          </p:cNvPr>
+          <p:cNvPr id="4" name="日期占位符 3"/>
           <p:cNvSpPr>
             <a:spLocks noGrp="1"/>
           </p:cNvSpPr>
@@ -461,7 +406,6 @@
           <a:p>
             <a:fld id="{A4CF11D9-4925-4C55-8C47-9A43BE7063E1}" type="datetimeFigureOut">
               <a:rPr lang="zh-CN" altLang="en-US" smtClean="0"/>
-              <a:t>2017/6/28</a:t>
             </a:fld>
             <a:endParaRPr lang="zh-CN" altLang="en-US"/>
           </a:p>
@@ -469,13 +413,7 @@
       </p:sp>
       <p:sp>
         <p:nvSpPr>
-          <p:cNvPr id="5" name="页脚占位符 4">
-            <a:extLst>
-              <a:ext uri="{FF2B5EF4-FFF2-40B4-BE49-F238E27FC236}">
-                <a16:creationId xmlns:a16="http://schemas.microsoft.com/office/drawing/2014/main" id="{B62296CB-228B-4173-B258-E2599A765414}"/>
-              </a:ext>
-            </a:extLst>
-          </p:cNvPr>
+          <p:cNvPr id="5" name="页脚占位符 4"/>
           <p:cNvSpPr>
             <a:spLocks noGrp="1"/>
           </p:cNvSpPr>
@@ -494,13 +432,7 @@
       </p:sp>
       <p:sp>
         <p:nvSpPr>
-          <p:cNvPr id="6" name="灯片编号占位符 5">
-            <a:extLst>
-              <a:ext uri="{FF2B5EF4-FFF2-40B4-BE49-F238E27FC236}">
-                <a16:creationId xmlns:a16="http://schemas.microsoft.com/office/drawing/2014/main" id="{9EF24507-C185-4FD1-8900-CFF1AE9FB033}"/>
-              </a:ext>
-            </a:extLst>
-          </p:cNvPr>
+          <p:cNvPr id="6" name="灯片编号占位符 5"/>
           <p:cNvSpPr>
             <a:spLocks noGrp="1"/>
           </p:cNvSpPr>
@@ -515,18 +447,12 @@
           <a:p>
             <a:fld id="{05B5510B-0BA4-484C-B39E-52421444D824}" type="slidenum">
               <a:rPr lang="zh-CN" altLang="en-US" smtClean="0"/>
-              <a:t>‹#›</a:t>
             </a:fld>
             <a:endParaRPr lang="zh-CN" altLang="en-US"/>
           </a:p>
         </p:txBody>
       </p:sp>
     </p:spTree>
-    <p:extLst>
-      <p:ext uri="{BB962C8B-B14F-4D97-AF65-F5344CB8AC3E}">
-        <p14:creationId xmlns:p14="http://schemas.microsoft.com/office/powerpoint/2010/main" val="4176542890"/>
-      </p:ext>
-    </p:extLst>
   </p:cSld>
   <p:clrMapOvr>
     <a:masterClrMapping/>
@@ -553,13 +479,7 @@
       </p:grpSpPr>
       <p:sp>
         <p:nvSpPr>
-          <p:cNvPr id="2" name="竖排标题 1">
-            <a:extLst>
-              <a:ext uri="{FF2B5EF4-FFF2-40B4-BE49-F238E27FC236}">
-                <a16:creationId xmlns:a16="http://schemas.microsoft.com/office/drawing/2014/main" id="{EAFE3ACF-3AB4-4C3A-8299-289C64E7CF95}"/>
-              </a:ext>
-            </a:extLst>
-          </p:cNvPr>
+          <p:cNvPr id="2" name="竖排标题 1"/>
           <p:cNvSpPr>
             <a:spLocks noGrp="1"/>
           </p:cNvSpPr>
@@ -586,18 +506,12 @@
       </p:sp>
       <p:sp>
         <p:nvSpPr>
-          <p:cNvPr id="3" name="竖排文字占位符 2">
-            <a:extLst>
-              <a:ext uri="{FF2B5EF4-FFF2-40B4-BE49-F238E27FC236}">
-                <a16:creationId xmlns:a16="http://schemas.microsoft.com/office/drawing/2014/main" id="{6DCEA21C-103C-4D96-A8D8-32B847570107}"/>
-              </a:ext>
-            </a:extLst>
-          </p:cNvPr>
-          <p:cNvSpPr>
-            <a:spLocks noGrp="1"/>
-          </p:cNvSpPr>
-          <p:nvPr>
-            <p:ph type="body" orient="vert" idx="1"/>
+          <p:cNvPr id="3" name="竖排文字占位符 2"/>
+          <p:cNvSpPr>
+            <a:spLocks noGrp="1"/>
+          </p:cNvSpPr>
+          <p:nvPr>
+            <p:ph type="body" orient="vert" idx="1" hasCustomPrompt="1"/>
           </p:nvPr>
         </p:nvSpPr>
         <p:spPr>
@@ -615,6 +529,7 @@
               <a:rPr lang="zh-CN" altLang="en-US"/>
               <a:t>编辑母版文本样式</a:t>
             </a:r>
+            <a:endParaRPr lang="zh-CN" altLang="en-US"/>
           </a:p>
           <a:p>
             <a:pPr lvl="1"/>
@@ -622,6 +537,7 @@
               <a:rPr lang="zh-CN" altLang="en-US"/>
               <a:t>第二级</a:t>
             </a:r>
+            <a:endParaRPr lang="zh-CN" altLang="en-US"/>
           </a:p>
           <a:p>
             <a:pPr lvl="2"/>
@@ -629,6 +545,7 @@
               <a:rPr lang="zh-CN" altLang="en-US"/>
               <a:t>第三级</a:t>
             </a:r>
+            <a:endParaRPr lang="zh-CN" altLang="en-US"/>
           </a:p>
           <a:p>
             <a:pPr lvl="3"/>
@@ -636,6 +553,7 @@
               <a:rPr lang="zh-CN" altLang="en-US"/>
               <a:t>第四级</a:t>
             </a:r>
+            <a:endParaRPr lang="zh-CN" altLang="en-US"/>
           </a:p>
           <a:p>
             <a:pPr lvl="4"/>
@@ -648,13 +566,7 @@
       </p:sp>
       <p:sp>
         <p:nvSpPr>
-          <p:cNvPr id="4" name="日期占位符 3">
-            <a:extLst>
-              <a:ext uri="{FF2B5EF4-FFF2-40B4-BE49-F238E27FC236}">
-                <a16:creationId xmlns:a16="http://schemas.microsoft.com/office/drawing/2014/main" id="{469D3958-750C-4EBD-B870-876F1FD41086}"/>
-              </a:ext>
-            </a:extLst>
-          </p:cNvPr>
+          <p:cNvPr id="4" name="日期占位符 3"/>
           <p:cNvSpPr>
             <a:spLocks noGrp="1"/>
           </p:cNvSpPr>
@@ -669,7 +581,6 @@
           <a:p>
             <a:fld id="{A4CF11D9-4925-4C55-8C47-9A43BE7063E1}" type="datetimeFigureOut">
               <a:rPr lang="zh-CN" altLang="en-US" smtClean="0"/>
-              <a:t>2017/6/28</a:t>
             </a:fld>
             <a:endParaRPr lang="zh-CN" altLang="en-US"/>
           </a:p>
@@ -677,13 +588,7 @@
       </p:sp>
       <p:sp>
         <p:nvSpPr>
-          <p:cNvPr id="5" name="页脚占位符 4">
-            <a:extLst>
-              <a:ext uri="{FF2B5EF4-FFF2-40B4-BE49-F238E27FC236}">
-                <a16:creationId xmlns:a16="http://schemas.microsoft.com/office/drawing/2014/main" id="{21DCD5D1-B2E3-47E0-893C-2ED7D6C078EC}"/>
-              </a:ext>
-            </a:extLst>
-          </p:cNvPr>
+          <p:cNvPr id="5" name="页脚占位符 4"/>
           <p:cNvSpPr>
             <a:spLocks noGrp="1"/>
           </p:cNvSpPr>
@@ -702,13 +607,7 @@
       </p:sp>
       <p:sp>
         <p:nvSpPr>
-          <p:cNvPr id="6" name="灯片编号占位符 5">
-            <a:extLst>
-              <a:ext uri="{FF2B5EF4-FFF2-40B4-BE49-F238E27FC236}">
-                <a16:creationId xmlns:a16="http://schemas.microsoft.com/office/drawing/2014/main" id="{EC4A95A8-5915-4CFC-BE97-B800549DB960}"/>
-              </a:ext>
-            </a:extLst>
-          </p:cNvPr>
+          <p:cNvPr id="6" name="灯片编号占位符 5"/>
           <p:cNvSpPr>
             <a:spLocks noGrp="1"/>
           </p:cNvSpPr>
@@ -723,18 +622,12 @@
           <a:p>
             <a:fld id="{05B5510B-0BA4-484C-B39E-52421444D824}" type="slidenum">
               <a:rPr lang="zh-CN" altLang="en-US" smtClean="0"/>
-              <a:t>‹#›</a:t>
             </a:fld>
             <a:endParaRPr lang="zh-CN" altLang="en-US"/>
           </a:p>
         </p:txBody>
       </p:sp>
     </p:spTree>
-    <p:extLst>
-      <p:ext uri="{BB962C8B-B14F-4D97-AF65-F5344CB8AC3E}">
-        <p14:creationId xmlns:p14="http://schemas.microsoft.com/office/powerpoint/2010/main" val="3153248361"/>
-      </p:ext>
-    </p:extLst>
   </p:cSld>
   <p:clrMapOvr>
     <a:masterClrMapping/>
@@ -761,13 +654,7 @@
       </p:grpSpPr>
       <p:sp>
         <p:nvSpPr>
-          <p:cNvPr id="2" name="标题 1">
-            <a:extLst>
-              <a:ext uri="{FF2B5EF4-FFF2-40B4-BE49-F238E27FC236}">
-                <a16:creationId xmlns:a16="http://schemas.microsoft.com/office/drawing/2014/main" id="{459B0ACB-9656-44FA-AB0A-936E45CECD75}"/>
-              </a:ext>
-            </a:extLst>
-          </p:cNvPr>
+          <p:cNvPr id="2" name="标题 1"/>
           <p:cNvSpPr>
             <a:spLocks noGrp="1"/>
           </p:cNvSpPr>
@@ -789,18 +676,12 @@
       </p:sp>
       <p:sp>
         <p:nvSpPr>
-          <p:cNvPr id="3" name="内容占位符 2">
-            <a:extLst>
-              <a:ext uri="{FF2B5EF4-FFF2-40B4-BE49-F238E27FC236}">
-                <a16:creationId xmlns:a16="http://schemas.microsoft.com/office/drawing/2014/main" id="{7D139110-4260-41BE-9E91-ABC77F8189D0}"/>
-              </a:ext>
-            </a:extLst>
-          </p:cNvPr>
-          <p:cNvSpPr>
-            <a:spLocks noGrp="1"/>
-          </p:cNvSpPr>
-          <p:nvPr>
-            <p:ph idx="1"/>
+          <p:cNvPr id="3" name="内容占位符 2"/>
+          <p:cNvSpPr>
+            <a:spLocks noGrp="1"/>
+          </p:cNvSpPr>
+          <p:nvPr>
+            <p:ph idx="1" hasCustomPrompt="1"/>
           </p:nvPr>
         </p:nvSpPr>
         <p:spPr/>
@@ -813,6 +694,7 @@
               <a:rPr lang="zh-CN" altLang="en-US"/>
               <a:t>编辑母版文本样式</a:t>
             </a:r>
+            <a:endParaRPr lang="zh-CN" altLang="en-US"/>
           </a:p>
           <a:p>
             <a:pPr lvl="1"/>
@@ -820,6 +702,7 @@
               <a:rPr lang="zh-CN" altLang="en-US"/>
               <a:t>第二级</a:t>
             </a:r>
+            <a:endParaRPr lang="zh-CN" altLang="en-US"/>
           </a:p>
           <a:p>
             <a:pPr lvl="2"/>
@@ -827,6 +710,7 @@
               <a:rPr lang="zh-CN" altLang="en-US"/>
               <a:t>第三级</a:t>
             </a:r>
+            <a:endParaRPr lang="zh-CN" altLang="en-US"/>
           </a:p>
           <a:p>
             <a:pPr lvl="3"/>
@@ -834,6 +718,7 @@
               <a:rPr lang="zh-CN" altLang="en-US"/>
               <a:t>第四级</a:t>
             </a:r>
+            <a:endParaRPr lang="zh-CN" altLang="en-US"/>
           </a:p>
           <a:p>
             <a:pPr lvl="4"/>
@@ -846,13 +731,7 @@
       </p:sp>
       <p:sp>
         <p:nvSpPr>
-          <p:cNvPr id="4" name="日期占位符 3">
-            <a:extLst>
-              <a:ext uri="{FF2B5EF4-FFF2-40B4-BE49-F238E27FC236}">
-                <a16:creationId xmlns:a16="http://schemas.microsoft.com/office/drawing/2014/main" id="{E338B967-AEE8-4F80-BEBD-FAF5D2B7C2B3}"/>
-              </a:ext>
-            </a:extLst>
-          </p:cNvPr>
+          <p:cNvPr id="4" name="日期占位符 3"/>
           <p:cNvSpPr>
             <a:spLocks noGrp="1"/>
           </p:cNvSpPr>
@@ -867,7 +746,6 @@
           <a:p>
             <a:fld id="{A4CF11D9-4925-4C55-8C47-9A43BE7063E1}" type="datetimeFigureOut">
               <a:rPr lang="zh-CN" altLang="en-US" smtClean="0"/>
-              <a:t>2017/6/28</a:t>
             </a:fld>
             <a:endParaRPr lang="zh-CN" altLang="en-US"/>
           </a:p>
@@ -875,13 +753,7 @@
       </p:sp>
       <p:sp>
         <p:nvSpPr>
-          <p:cNvPr id="5" name="页脚占位符 4">
-            <a:extLst>
-              <a:ext uri="{FF2B5EF4-FFF2-40B4-BE49-F238E27FC236}">
-                <a16:creationId xmlns:a16="http://schemas.microsoft.com/office/drawing/2014/main" id="{A16AFB75-4936-4BA3-BDF4-D0D829E4C016}"/>
-              </a:ext>
-            </a:extLst>
-          </p:cNvPr>
+          <p:cNvPr id="5" name="页脚占位符 4"/>
           <p:cNvSpPr>
             <a:spLocks noGrp="1"/>
           </p:cNvSpPr>
@@ -900,13 +772,7 @@
       </p:sp>
       <p:sp>
         <p:nvSpPr>
-          <p:cNvPr id="6" name="灯片编号占位符 5">
-            <a:extLst>
-              <a:ext uri="{FF2B5EF4-FFF2-40B4-BE49-F238E27FC236}">
-                <a16:creationId xmlns:a16="http://schemas.microsoft.com/office/drawing/2014/main" id="{26B7E00C-2863-4D9A-B3F5-C6DD4A181CDC}"/>
-              </a:ext>
-            </a:extLst>
-          </p:cNvPr>
+          <p:cNvPr id="6" name="灯片编号占位符 5"/>
           <p:cNvSpPr>
             <a:spLocks noGrp="1"/>
           </p:cNvSpPr>
@@ -921,18 +787,12 @@
           <a:p>
             <a:fld id="{05B5510B-0BA4-484C-B39E-52421444D824}" type="slidenum">
               <a:rPr lang="zh-CN" altLang="en-US" smtClean="0"/>
-              <a:t>‹#›</a:t>
             </a:fld>
             <a:endParaRPr lang="zh-CN" altLang="en-US"/>
           </a:p>
         </p:txBody>
       </p:sp>
     </p:spTree>
-    <p:extLst>
-      <p:ext uri="{BB962C8B-B14F-4D97-AF65-F5344CB8AC3E}">
-        <p14:creationId xmlns:p14="http://schemas.microsoft.com/office/powerpoint/2010/main" val="1756036712"/>
-      </p:ext>
-    </p:extLst>
   </p:cSld>
   <p:clrMapOvr>
     <a:masterClrMapping/>
@@ -959,13 +819,7 @@
       </p:grpSpPr>
       <p:sp>
         <p:nvSpPr>
-          <p:cNvPr id="2" name="标题 1">
-            <a:extLst>
-              <a:ext uri="{FF2B5EF4-FFF2-40B4-BE49-F238E27FC236}">
-                <a16:creationId xmlns:a16="http://schemas.microsoft.com/office/drawing/2014/main" id="{E7A057E9-A1CA-4FEB-B6D9-55B779895D9B}"/>
-              </a:ext>
-            </a:extLst>
-          </p:cNvPr>
+          <p:cNvPr id="2" name="标题 1"/>
           <p:cNvSpPr>
             <a:spLocks noGrp="1"/>
           </p:cNvSpPr>
@@ -996,18 +850,12 @@
       </p:sp>
       <p:sp>
         <p:nvSpPr>
-          <p:cNvPr id="3" name="文本占位符 2">
-            <a:extLst>
-              <a:ext uri="{FF2B5EF4-FFF2-40B4-BE49-F238E27FC236}">
-                <a16:creationId xmlns:a16="http://schemas.microsoft.com/office/drawing/2014/main" id="{F4D406A3-B9CA-428B-8852-E9A3404BB396}"/>
-              </a:ext>
-            </a:extLst>
-          </p:cNvPr>
-          <p:cNvSpPr>
-            <a:spLocks noGrp="1"/>
-          </p:cNvSpPr>
-          <p:nvPr>
-            <p:ph type="body" idx="1"/>
+          <p:cNvPr id="3" name="文本占位符 2"/>
+          <p:cNvSpPr>
+            <a:spLocks noGrp="1"/>
+          </p:cNvSpPr>
+          <p:nvPr>
+            <p:ph type="body" idx="1" hasCustomPrompt="1"/>
           </p:nvPr>
         </p:nvSpPr>
         <p:spPr>
@@ -1121,13 +969,7 @@
       </p:sp>
       <p:sp>
         <p:nvSpPr>
-          <p:cNvPr id="4" name="日期占位符 3">
-            <a:extLst>
-              <a:ext uri="{FF2B5EF4-FFF2-40B4-BE49-F238E27FC236}">
-                <a16:creationId xmlns:a16="http://schemas.microsoft.com/office/drawing/2014/main" id="{0A9BEF0E-04E5-4C79-AAD6-FD319312D0F1}"/>
-              </a:ext>
-            </a:extLst>
-          </p:cNvPr>
+          <p:cNvPr id="4" name="日期占位符 3"/>
           <p:cNvSpPr>
             <a:spLocks noGrp="1"/>
           </p:cNvSpPr>
@@ -1142,7 +984,6 @@
           <a:p>
             <a:fld id="{A4CF11D9-4925-4C55-8C47-9A43BE7063E1}" type="datetimeFigureOut">
               <a:rPr lang="zh-CN" altLang="en-US" smtClean="0"/>
-              <a:t>2017/6/28</a:t>
             </a:fld>
             <a:endParaRPr lang="zh-CN" altLang="en-US"/>
           </a:p>
@@ -1150,13 +991,7 @@
       </p:sp>
       <p:sp>
         <p:nvSpPr>
-          <p:cNvPr id="5" name="页脚占位符 4">
-            <a:extLst>
-              <a:ext uri="{FF2B5EF4-FFF2-40B4-BE49-F238E27FC236}">
-                <a16:creationId xmlns:a16="http://schemas.microsoft.com/office/drawing/2014/main" id="{C3878683-9121-4A3E-A6C6-9F56BA187FF9}"/>
-              </a:ext>
-            </a:extLst>
-          </p:cNvPr>
+          <p:cNvPr id="5" name="页脚占位符 4"/>
           <p:cNvSpPr>
             <a:spLocks noGrp="1"/>
           </p:cNvSpPr>
@@ -1175,13 +1010,7 @@
       </p:sp>
       <p:sp>
         <p:nvSpPr>
-          <p:cNvPr id="6" name="灯片编号占位符 5">
-            <a:extLst>
-              <a:ext uri="{FF2B5EF4-FFF2-40B4-BE49-F238E27FC236}">
-                <a16:creationId xmlns:a16="http://schemas.microsoft.com/office/drawing/2014/main" id="{F18C0F38-88FF-4F84-BFED-31CECE182274}"/>
-              </a:ext>
-            </a:extLst>
-          </p:cNvPr>
+          <p:cNvPr id="6" name="灯片编号占位符 5"/>
           <p:cNvSpPr>
             <a:spLocks noGrp="1"/>
           </p:cNvSpPr>
@@ -1196,18 +1025,12 @@
           <a:p>
             <a:fld id="{05B5510B-0BA4-484C-B39E-52421444D824}" type="slidenum">
               <a:rPr lang="zh-CN" altLang="en-US" smtClean="0"/>
-              <a:t>‹#›</a:t>
             </a:fld>
             <a:endParaRPr lang="zh-CN" altLang="en-US"/>
           </a:p>
         </p:txBody>
       </p:sp>
     </p:spTree>
-    <p:extLst>
-      <p:ext uri="{BB962C8B-B14F-4D97-AF65-F5344CB8AC3E}">
-        <p14:creationId xmlns:p14="http://schemas.microsoft.com/office/powerpoint/2010/main" val="2353789212"/>
-      </p:ext>
-    </p:extLst>
   </p:cSld>
   <p:clrMapOvr>
     <a:masterClrMapping/>
@@ -1234,13 +1057,7 @@
       </p:grpSpPr>
       <p:sp>
         <p:nvSpPr>
-          <p:cNvPr id="2" name="标题 1">
-            <a:extLst>
-              <a:ext uri="{FF2B5EF4-FFF2-40B4-BE49-F238E27FC236}">
-                <a16:creationId xmlns:a16="http://schemas.microsoft.com/office/drawing/2014/main" id="{8E8D46F0-4CA4-4163-92B2-407D299A0904}"/>
-              </a:ext>
-            </a:extLst>
-          </p:cNvPr>
+          <p:cNvPr id="2" name="标题 1"/>
           <p:cNvSpPr>
             <a:spLocks noGrp="1"/>
           </p:cNvSpPr>
@@ -1262,18 +1079,12 @@
       </p:sp>
       <p:sp>
         <p:nvSpPr>
-          <p:cNvPr id="3" name="内容占位符 2">
-            <a:extLst>
-              <a:ext uri="{FF2B5EF4-FFF2-40B4-BE49-F238E27FC236}">
-                <a16:creationId xmlns:a16="http://schemas.microsoft.com/office/drawing/2014/main" id="{412E964F-259D-47F6-8B8C-DD549A66880C}"/>
-              </a:ext>
-            </a:extLst>
-          </p:cNvPr>
-          <p:cNvSpPr>
-            <a:spLocks noGrp="1"/>
-          </p:cNvSpPr>
-          <p:nvPr>
-            <p:ph sz="half" idx="1"/>
+          <p:cNvPr id="3" name="内容占位符 2"/>
+          <p:cNvSpPr>
+            <a:spLocks noGrp="1"/>
+          </p:cNvSpPr>
+          <p:nvPr>
+            <p:ph sz="half" idx="1" hasCustomPrompt="1"/>
           </p:nvPr>
         </p:nvSpPr>
         <p:spPr>
@@ -1291,6 +1102,7 @@
               <a:rPr lang="zh-CN" altLang="en-US"/>
               <a:t>编辑母版文本样式</a:t>
             </a:r>
+            <a:endParaRPr lang="zh-CN" altLang="en-US"/>
           </a:p>
           <a:p>
             <a:pPr lvl="1"/>
@@ -1298,6 +1110,7 @@
               <a:rPr lang="zh-CN" altLang="en-US"/>
               <a:t>第二级</a:t>
             </a:r>
+            <a:endParaRPr lang="zh-CN" altLang="en-US"/>
           </a:p>
           <a:p>
             <a:pPr lvl="2"/>
@@ -1305,6 +1118,7 @@
               <a:rPr lang="zh-CN" altLang="en-US"/>
               <a:t>第三级</a:t>
             </a:r>
+            <a:endParaRPr lang="zh-CN" altLang="en-US"/>
           </a:p>
           <a:p>
             <a:pPr lvl="3"/>
@@ -1312,6 +1126,7 @@
               <a:rPr lang="zh-CN" altLang="en-US"/>
               <a:t>第四级</a:t>
             </a:r>
+            <a:endParaRPr lang="zh-CN" altLang="en-US"/>
           </a:p>
           <a:p>
             <a:pPr lvl="4"/>
@@ -1324,18 +1139,12 @@
       </p:sp>
       <p:sp>
         <p:nvSpPr>
-          <p:cNvPr id="4" name="内容占位符 3">
-            <a:extLst>
-              <a:ext uri="{FF2B5EF4-FFF2-40B4-BE49-F238E27FC236}">
-                <a16:creationId xmlns:a16="http://schemas.microsoft.com/office/drawing/2014/main" id="{685C79BF-8CDD-4833-BBFB-3B116A9403D5}"/>
-              </a:ext>
-            </a:extLst>
-          </p:cNvPr>
-          <p:cNvSpPr>
-            <a:spLocks noGrp="1"/>
-          </p:cNvSpPr>
-          <p:nvPr>
-            <p:ph sz="half" idx="2"/>
+          <p:cNvPr id="4" name="内容占位符 3"/>
+          <p:cNvSpPr>
+            <a:spLocks noGrp="1"/>
+          </p:cNvSpPr>
+          <p:nvPr>
+            <p:ph sz="half" idx="2" hasCustomPrompt="1"/>
           </p:nvPr>
         </p:nvSpPr>
         <p:spPr>
@@ -1353,6 +1162,7 @@
               <a:rPr lang="zh-CN" altLang="en-US"/>
               <a:t>编辑母版文本样式</a:t>
             </a:r>
+            <a:endParaRPr lang="zh-CN" altLang="en-US"/>
           </a:p>
           <a:p>
             <a:pPr lvl="1"/>
@@ -1360,6 +1170,7 @@
               <a:rPr lang="zh-CN" altLang="en-US"/>
               <a:t>第二级</a:t>
             </a:r>
+            <a:endParaRPr lang="zh-CN" altLang="en-US"/>
           </a:p>
           <a:p>
             <a:pPr lvl="2"/>
@@ -1367,6 +1178,7 @@
               <a:rPr lang="zh-CN" altLang="en-US"/>
               <a:t>第三级</a:t>
             </a:r>
+            <a:endParaRPr lang="zh-CN" altLang="en-US"/>
           </a:p>
           <a:p>
             <a:pPr lvl="3"/>
@@ -1374,6 +1186,7 @@
               <a:rPr lang="zh-CN" altLang="en-US"/>
               <a:t>第四级</a:t>
             </a:r>
+            <a:endParaRPr lang="zh-CN" altLang="en-US"/>
           </a:p>
           <a:p>
             <a:pPr lvl="4"/>
@@ -1386,13 +1199,7 @@
       </p:sp>
       <p:sp>
         <p:nvSpPr>
-          <p:cNvPr id="5" name="日期占位符 4">
-            <a:extLst>
-              <a:ext uri="{FF2B5EF4-FFF2-40B4-BE49-F238E27FC236}">
-                <a16:creationId xmlns:a16="http://schemas.microsoft.com/office/drawing/2014/main" id="{A4FE81D3-0F5C-498A-B345-245C322ACF53}"/>
-              </a:ext>
-            </a:extLst>
-          </p:cNvPr>
+          <p:cNvPr id="5" name="日期占位符 4"/>
           <p:cNvSpPr>
             <a:spLocks noGrp="1"/>
           </p:cNvSpPr>
@@ -1407,7 +1214,6 @@
           <a:p>
             <a:fld id="{A4CF11D9-4925-4C55-8C47-9A43BE7063E1}" type="datetimeFigureOut">
               <a:rPr lang="zh-CN" altLang="en-US" smtClean="0"/>
-              <a:t>2017/6/28</a:t>
             </a:fld>
             <a:endParaRPr lang="zh-CN" altLang="en-US"/>
           </a:p>
@@ -1415,13 +1221,7 @@
       </p:sp>
       <p:sp>
         <p:nvSpPr>
-          <p:cNvPr id="6" name="页脚占位符 5">
-            <a:extLst>
-              <a:ext uri="{FF2B5EF4-FFF2-40B4-BE49-F238E27FC236}">
-                <a16:creationId xmlns:a16="http://schemas.microsoft.com/office/drawing/2014/main" id="{81C5B266-F388-4F1F-82C5-2C0129EF2666}"/>
-              </a:ext>
-            </a:extLst>
-          </p:cNvPr>
+          <p:cNvPr id="6" name="页脚占位符 5"/>
           <p:cNvSpPr>
             <a:spLocks noGrp="1"/>
           </p:cNvSpPr>
@@ -1440,13 +1240,7 @@
       </p:sp>
       <p:sp>
         <p:nvSpPr>
-          <p:cNvPr id="7" name="灯片编号占位符 6">
-            <a:extLst>
-              <a:ext uri="{FF2B5EF4-FFF2-40B4-BE49-F238E27FC236}">
-                <a16:creationId xmlns:a16="http://schemas.microsoft.com/office/drawing/2014/main" id="{C55FD746-8B9C-4B01-B36A-223E9FD89D05}"/>
-              </a:ext>
-            </a:extLst>
-          </p:cNvPr>
+          <p:cNvPr id="7" name="灯片编号占位符 6"/>
           <p:cNvSpPr>
             <a:spLocks noGrp="1"/>
           </p:cNvSpPr>
@@ -1461,18 +1255,12 @@
           <a:p>
             <a:fld id="{05B5510B-0BA4-484C-B39E-52421444D824}" type="slidenum">
               <a:rPr lang="zh-CN" altLang="en-US" smtClean="0"/>
-              <a:t>‹#›</a:t>
             </a:fld>
             <a:endParaRPr lang="zh-CN" altLang="en-US"/>
           </a:p>
         </p:txBody>
       </p:sp>
     </p:spTree>
-    <p:extLst>
-      <p:ext uri="{BB962C8B-B14F-4D97-AF65-F5344CB8AC3E}">
-        <p14:creationId xmlns:p14="http://schemas.microsoft.com/office/powerpoint/2010/main" val="3141511043"/>
-      </p:ext>
-    </p:extLst>
   </p:cSld>
   <p:clrMapOvr>
     <a:masterClrMapping/>
@@ -1499,13 +1287,7 @@
       </p:grpSpPr>
       <p:sp>
         <p:nvSpPr>
-          <p:cNvPr id="2" name="标题 1">
-            <a:extLst>
-              <a:ext uri="{FF2B5EF4-FFF2-40B4-BE49-F238E27FC236}">
-                <a16:creationId xmlns:a16="http://schemas.microsoft.com/office/drawing/2014/main" id="{663B4296-9518-41C5-B1ED-9F97E6DDB065}"/>
-              </a:ext>
-            </a:extLst>
-          </p:cNvPr>
+          <p:cNvPr id="2" name="标题 1"/>
           <p:cNvSpPr>
             <a:spLocks noGrp="1"/>
           </p:cNvSpPr>
@@ -1532,18 +1314,12 @@
       </p:sp>
       <p:sp>
         <p:nvSpPr>
-          <p:cNvPr id="3" name="文本占位符 2">
-            <a:extLst>
-              <a:ext uri="{FF2B5EF4-FFF2-40B4-BE49-F238E27FC236}">
-                <a16:creationId xmlns:a16="http://schemas.microsoft.com/office/drawing/2014/main" id="{38F63C1E-2529-4DFF-9F4E-0E1224E682C6}"/>
-              </a:ext>
-            </a:extLst>
-          </p:cNvPr>
-          <p:cNvSpPr>
-            <a:spLocks noGrp="1"/>
-          </p:cNvSpPr>
-          <p:nvPr>
-            <p:ph type="body" idx="1"/>
+          <p:cNvPr id="3" name="文本占位符 2"/>
+          <p:cNvSpPr>
+            <a:spLocks noGrp="1"/>
+          </p:cNvSpPr>
+          <p:nvPr>
+            <p:ph type="body" idx="1" hasCustomPrompt="1"/>
           </p:nvPr>
         </p:nvSpPr>
         <p:spPr>
@@ -1603,18 +1379,12 @@
       </p:sp>
       <p:sp>
         <p:nvSpPr>
-          <p:cNvPr id="4" name="内容占位符 3">
-            <a:extLst>
-              <a:ext uri="{FF2B5EF4-FFF2-40B4-BE49-F238E27FC236}">
-                <a16:creationId xmlns:a16="http://schemas.microsoft.com/office/drawing/2014/main" id="{F2082036-0CC3-4B0F-B6DE-92BD0ADB4A1B}"/>
-              </a:ext>
-            </a:extLst>
-          </p:cNvPr>
-          <p:cNvSpPr>
-            <a:spLocks noGrp="1"/>
-          </p:cNvSpPr>
-          <p:nvPr>
-            <p:ph sz="half" idx="2"/>
+          <p:cNvPr id="4" name="内容占位符 3"/>
+          <p:cNvSpPr>
+            <a:spLocks noGrp="1"/>
+          </p:cNvSpPr>
+          <p:nvPr>
+            <p:ph sz="half" idx="2" hasCustomPrompt="1"/>
           </p:nvPr>
         </p:nvSpPr>
         <p:spPr>
@@ -1632,6 +1402,7 @@
               <a:rPr lang="zh-CN" altLang="en-US"/>
               <a:t>编辑母版文本样式</a:t>
             </a:r>
+            <a:endParaRPr lang="zh-CN" altLang="en-US"/>
           </a:p>
           <a:p>
             <a:pPr lvl="1"/>
@@ -1639,6 +1410,7 @@
               <a:rPr lang="zh-CN" altLang="en-US"/>
               <a:t>第二级</a:t>
             </a:r>
+            <a:endParaRPr lang="zh-CN" altLang="en-US"/>
           </a:p>
           <a:p>
             <a:pPr lvl="2"/>
@@ -1646,6 +1418,7 @@
               <a:rPr lang="zh-CN" altLang="en-US"/>
               <a:t>第三级</a:t>
             </a:r>
+            <a:endParaRPr lang="zh-CN" altLang="en-US"/>
           </a:p>
           <a:p>
             <a:pPr lvl="3"/>
@@ -1653,6 +1426,7 @@
               <a:rPr lang="zh-CN" altLang="en-US"/>
               <a:t>第四级</a:t>
             </a:r>
+            <a:endParaRPr lang="zh-CN" altLang="en-US"/>
           </a:p>
           <a:p>
             <a:pPr lvl="4"/>
@@ -1665,18 +1439,12 @@
       </p:sp>
       <p:sp>
         <p:nvSpPr>
-          <p:cNvPr id="5" name="文本占位符 4">
-            <a:extLst>
-              <a:ext uri="{FF2B5EF4-FFF2-40B4-BE49-F238E27FC236}">
-                <a16:creationId xmlns:a16="http://schemas.microsoft.com/office/drawing/2014/main" id="{86DB81E5-0138-4B70-8E8A-57636C122E02}"/>
-              </a:ext>
-            </a:extLst>
-          </p:cNvPr>
-          <p:cNvSpPr>
-            <a:spLocks noGrp="1"/>
-          </p:cNvSpPr>
-          <p:nvPr>
-            <p:ph type="body" sz="quarter" idx="3"/>
+          <p:cNvPr id="5" name="文本占位符 4"/>
+          <p:cNvSpPr>
+            <a:spLocks noGrp="1"/>
+          </p:cNvSpPr>
+          <p:nvPr>
+            <p:ph type="body" sz="quarter" idx="3" hasCustomPrompt="1"/>
           </p:nvPr>
         </p:nvSpPr>
         <p:spPr>
@@ -1736,18 +1504,12 @@
       </p:sp>
       <p:sp>
         <p:nvSpPr>
-          <p:cNvPr id="6" name="内容占位符 5">
-            <a:extLst>
-              <a:ext uri="{FF2B5EF4-FFF2-40B4-BE49-F238E27FC236}">
-                <a16:creationId xmlns:a16="http://schemas.microsoft.com/office/drawing/2014/main" id="{B921682F-B307-4768-A270-6088A0EF886A}"/>
-              </a:ext>
-            </a:extLst>
-          </p:cNvPr>
-          <p:cNvSpPr>
-            <a:spLocks noGrp="1"/>
-          </p:cNvSpPr>
-          <p:nvPr>
-            <p:ph sz="quarter" idx="4"/>
+          <p:cNvPr id="6" name="内容占位符 5"/>
+          <p:cNvSpPr>
+            <a:spLocks noGrp="1"/>
+          </p:cNvSpPr>
+          <p:nvPr>
+            <p:ph sz="quarter" idx="4" hasCustomPrompt="1"/>
           </p:nvPr>
         </p:nvSpPr>
         <p:spPr>
@@ -1765,6 +1527,7 @@
               <a:rPr lang="zh-CN" altLang="en-US"/>
               <a:t>编辑母版文本样式</a:t>
             </a:r>
+            <a:endParaRPr lang="zh-CN" altLang="en-US"/>
           </a:p>
           <a:p>
             <a:pPr lvl="1"/>
@@ -1772,6 +1535,7 @@
               <a:rPr lang="zh-CN" altLang="en-US"/>
               <a:t>第二级</a:t>
             </a:r>
+            <a:endParaRPr lang="zh-CN" altLang="en-US"/>
           </a:p>
           <a:p>
             <a:pPr lvl="2"/>
@@ -1779,6 +1543,7 @@
               <a:rPr lang="zh-CN" altLang="en-US"/>
               <a:t>第三级</a:t>
             </a:r>
+            <a:endParaRPr lang="zh-CN" altLang="en-US"/>
           </a:p>
           <a:p>
             <a:pPr lvl="3"/>
@@ -1786,6 +1551,7 @@
               <a:rPr lang="zh-CN" altLang="en-US"/>
               <a:t>第四级</a:t>
             </a:r>
+            <a:endParaRPr lang="zh-CN" altLang="en-US"/>
           </a:p>
           <a:p>
             <a:pPr lvl="4"/>
@@ -1798,13 +1564,7 @@
       </p:sp>
       <p:sp>
         <p:nvSpPr>
-          <p:cNvPr id="7" name="日期占位符 6">
-            <a:extLst>
-              <a:ext uri="{FF2B5EF4-FFF2-40B4-BE49-F238E27FC236}">
-                <a16:creationId xmlns:a16="http://schemas.microsoft.com/office/drawing/2014/main" id="{06CCBD1F-EEF2-44CF-AE76-16980AF2985A}"/>
-              </a:ext>
-            </a:extLst>
-          </p:cNvPr>
+          <p:cNvPr id="7" name="日期占位符 6"/>
           <p:cNvSpPr>
             <a:spLocks noGrp="1"/>
           </p:cNvSpPr>
@@ -1819,7 +1579,6 @@
           <a:p>
             <a:fld id="{A4CF11D9-4925-4C55-8C47-9A43BE7063E1}" type="datetimeFigureOut">
               <a:rPr lang="zh-CN" altLang="en-US" smtClean="0"/>
-              <a:t>2017/6/28</a:t>
             </a:fld>
             <a:endParaRPr lang="zh-CN" altLang="en-US"/>
           </a:p>
@@ -1827,13 +1586,7 @@
       </p:sp>
       <p:sp>
         <p:nvSpPr>
-          <p:cNvPr id="8" name="页脚占位符 7">
-            <a:extLst>
-              <a:ext uri="{FF2B5EF4-FFF2-40B4-BE49-F238E27FC236}">
-                <a16:creationId xmlns:a16="http://schemas.microsoft.com/office/drawing/2014/main" id="{538C8E71-D9A2-4E73-90DA-BB7295DA1390}"/>
-              </a:ext>
-            </a:extLst>
-          </p:cNvPr>
+          <p:cNvPr id="8" name="页脚占位符 7"/>
           <p:cNvSpPr>
             <a:spLocks noGrp="1"/>
           </p:cNvSpPr>
@@ -1852,13 +1605,7 @@
       </p:sp>
       <p:sp>
         <p:nvSpPr>
-          <p:cNvPr id="9" name="灯片编号占位符 8">
-            <a:extLst>
-              <a:ext uri="{FF2B5EF4-FFF2-40B4-BE49-F238E27FC236}">
-                <a16:creationId xmlns:a16="http://schemas.microsoft.com/office/drawing/2014/main" id="{B1C6EB74-0632-49AC-A74F-880603234B29}"/>
-              </a:ext>
-            </a:extLst>
-          </p:cNvPr>
+          <p:cNvPr id="9" name="灯片编号占位符 8"/>
           <p:cNvSpPr>
             <a:spLocks noGrp="1"/>
           </p:cNvSpPr>
@@ -1873,18 +1620,12 @@
           <a:p>
             <a:fld id="{05B5510B-0BA4-484C-B39E-52421444D824}" type="slidenum">
               <a:rPr lang="zh-CN" altLang="en-US" smtClean="0"/>
-              <a:t>‹#›</a:t>
             </a:fld>
             <a:endParaRPr lang="zh-CN" altLang="en-US"/>
           </a:p>
         </p:txBody>
       </p:sp>
     </p:spTree>
-    <p:extLst>
-      <p:ext uri="{BB962C8B-B14F-4D97-AF65-F5344CB8AC3E}">
-        <p14:creationId xmlns:p14="http://schemas.microsoft.com/office/powerpoint/2010/main" val="3597650364"/>
-      </p:ext>
-    </p:extLst>
   </p:cSld>
   <p:clrMapOvr>
     <a:masterClrMapping/>
@@ -1911,13 +1652,7 @@
       </p:grpSpPr>
       <p:sp>
         <p:nvSpPr>
-          <p:cNvPr id="2" name="标题 1">
-            <a:extLst>
-              <a:ext uri="{FF2B5EF4-FFF2-40B4-BE49-F238E27FC236}">
-                <a16:creationId xmlns:a16="http://schemas.microsoft.com/office/drawing/2014/main" id="{21875DC8-098E-4112-9932-E4624FDC0F2E}"/>
-              </a:ext>
-            </a:extLst>
-          </p:cNvPr>
+          <p:cNvPr id="2" name="标题 1"/>
           <p:cNvSpPr>
             <a:spLocks noGrp="1"/>
           </p:cNvSpPr>
@@ -1939,13 +1674,7 @@
       </p:sp>
       <p:sp>
         <p:nvSpPr>
-          <p:cNvPr id="3" name="日期占位符 2">
-            <a:extLst>
-              <a:ext uri="{FF2B5EF4-FFF2-40B4-BE49-F238E27FC236}">
-                <a16:creationId xmlns:a16="http://schemas.microsoft.com/office/drawing/2014/main" id="{58DAD4DD-386C-4830-A871-69CFD294D2DF}"/>
-              </a:ext>
-            </a:extLst>
-          </p:cNvPr>
+          <p:cNvPr id="3" name="日期占位符 2"/>
           <p:cNvSpPr>
             <a:spLocks noGrp="1"/>
           </p:cNvSpPr>
@@ -1960,7 +1689,6 @@
           <a:p>
             <a:fld id="{A4CF11D9-4925-4C55-8C47-9A43BE7063E1}" type="datetimeFigureOut">
               <a:rPr lang="zh-CN" altLang="en-US" smtClean="0"/>
-              <a:t>2017/6/28</a:t>
             </a:fld>
             <a:endParaRPr lang="zh-CN" altLang="en-US"/>
           </a:p>
@@ -1968,13 +1696,7 @@
       </p:sp>
       <p:sp>
         <p:nvSpPr>
-          <p:cNvPr id="4" name="页脚占位符 3">
-            <a:extLst>
-              <a:ext uri="{FF2B5EF4-FFF2-40B4-BE49-F238E27FC236}">
-                <a16:creationId xmlns:a16="http://schemas.microsoft.com/office/drawing/2014/main" id="{C801D84A-F947-46CF-922C-8DDF6B0C851D}"/>
-              </a:ext>
-            </a:extLst>
-          </p:cNvPr>
+          <p:cNvPr id="4" name="页脚占位符 3"/>
           <p:cNvSpPr>
             <a:spLocks noGrp="1"/>
           </p:cNvSpPr>
@@ -1993,13 +1715,7 @@
       </p:sp>
       <p:sp>
         <p:nvSpPr>
-          <p:cNvPr id="5" name="灯片编号占位符 4">
-            <a:extLst>
-              <a:ext uri="{FF2B5EF4-FFF2-40B4-BE49-F238E27FC236}">
-                <a16:creationId xmlns:a16="http://schemas.microsoft.com/office/drawing/2014/main" id="{6E72189F-40B7-4FE9-AFC2-B223E248DB14}"/>
-              </a:ext>
-            </a:extLst>
-          </p:cNvPr>
+          <p:cNvPr id="5" name="灯片编号占位符 4"/>
           <p:cNvSpPr>
             <a:spLocks noGrp="1"/>
           </p:cNvSpPr>
@@ -2014,18 +1730,12 @@
           <a:p>
             <a:fld id="{05B5510B-0BA4-484C-B39E-52421444D824}" type="slidenum">
               <a:rPr lang="zh-CN" altLang="en-US" smtClean="0"/>
-              <a:t>‹#›</a:t>
             </a:fld>
             <a:endParaRPr lang="zh-CN" altLang="en-US"/>
           </a:p>
         </p:txBody>
       </p:sp>
     </p:spTree>
-    <p:extLst>
-      <p:ext uri="{BB962C8B-B14F-4D97-AF65-F5344CB8AC3E}">
-        <p14:creationId xmlns:p14="http://schemas.microsoft.com/office/powerpoint/2010/main" val="467118563"/>
-      </p:ext>
-    </p:extLst>
   </p:cSld>
   <p:clrMapOvr>
     <a:masterClrMapping/>
@@ -2052,13 +1762,7 @@
       </p:grpSpPr>
       <p:sp>
         <p:nvSpPr>
-          <p:cNvPr id="2" name="日期占位符 1">
-            <a:extLst>
-              <a:ext uri="{FF2B5EF4-FFF2-40B4-BE49-F238E27FC236}">
-                <a16:creationId xmlns:a16="http://schemas.microsoft.com/office/drawing/2014/main" id="{DA4B0FE3-3D5D-4BD4-BD48-912F532BF12C}"/>
-              </a:ext>
-            </a:extLst>
-          </p:cNvPr>
+          <p:cNvPr id="2" name="日期占位符 1"/>
           <p:cNvSpPr>
             <a:spLocks noGrp="1"/>
           </p:cNvSpPr>
@@ -2073,7 +1777,6 @@
           <a:p>
             <a:fld id="{A4CF11D9-4925-4C55-8C47-9A43BE7063E1}" type="datetimeFigureOut">
               <a:rPr lang="zh-CN" altLang="en-US" smtClean="0"/>
-              <a:t>2017/6/28</a:t>
             </a:fld>
             <a:endParaRPr lang="zh-CN" altLang="en-US"/>
           </a:p>
@@ -2081,13 +1784,7 @@
       </p:sp>
       <p:sp>
         <p:nvSpPr>
-          <p:cNvPr id="3" name="页脚占位符 2">
-            <a:extLst>
-              <a:ext uri="{FF2B5EF4-FFF2-40B4-BE49-F238E27FC236}">
-                <a16:creationId xmlns:a16="http://schemas.microsoft.com/office/drawing/2014/main" id="{5A73D182-90FB-4EC4-B855-BEE9D2173136}"/>
-              </a:ext>
-            </a:extLst>
-          </p:cNvPr>
+          <p:cNvPr id="3" name="页脚占位符 2"/>
           <p:cNvSpPr>
             <a:spLocks noGrp="1"/>
           </p:cNvSpPr>
@@ -2106,13 +1803,7 @@
       </p:sp>
       <p:sp>
         <p:nvSpPr>
-          <p:cNvPr id="4" name="灯片编号占位符 3">
-            <a:extLst>
-              <a:ext uri="{FF2B5EF4-FFF2-40B4-BE49-F238E27FC236}">
-                <a16:creationId xmlns:a16="http://schemas.microsoft.com/office/drawing/2014/main" id="{3327534A-03BE-4F32-B78F-A03894C9603C}"/>
-              </a:ext>
-            </a:extLst>
-          </p:cNvPr>
+          <p:cNvPr id="4" name="灯片编号占位符 3"/>
           <p:cNvSpPr>
             <a:spLocks noGrp="1"/>
           </p:cNvSpPr>
@@ -2127,18 +1818,12 @@
           <a:p>
             <a:fld id="{05B5510B-0BA4-484C-B39E-52421444D824}" type="slidenum">
               <a:rPr lang="zh-CN" altLang="en-US" smtClean="0"/>
-              <a:t>‹#›</a:t>
             </a:fld>
             <a:endParaRPr lang="zh-CN" altLang="en-US"/>
           </a:p>
         </p:txBody>
       </p:sp>
     </p:spTree>
-    <p:extLst>
-      <p:ext uri="{BB962C8B-B14F-4D97-AF65-F5344CB8AC3E}">
-        <p14:creationId xmlns:p14="http://schemas.microsoft.com/office/powerpoint/2010/main" val="3360295676"/>
-      </p:ext>
-    </p:extLst>
   </p:cSld>
   <p:clrMapOvr>
     <a:masterClrMapping/>
@@ -2165,13 +1850,7 @@
       </p:grpSpPr>
       <p:sp>
         <p:nvSpPr>
-          <p:cNvPr id="2" name="标题 1">
-            <a:extLst>
-              <a:ext uri="{FF2B5EF4-FFF2-40B4-BE49-F238E27FC236}">
-                <a16:creationId xmlns:a16="http://schemas.microsoft.com/office/drawing/2014/main" id="{06BF6C71-0A27-413C-B1CC-1C5BAA508266}"/>
-              </a:ext>
-            </a:extLst>
-          </p:cNvPr>
+          <p:cNvPr id="2" name="标题 1"/>
           <p:cNvSpPr>
             <a:spLocks noGrp="1"/>
           </p:cNvSpPr>
@@ -2202,18 +1881,12 @@
       </p:sp>
       <p:sp>
         <p:nvSpPr>
-          <p:cNvPr id="3" name="内容占位符 2">
-            <a:extLst>
-              <a:ext uri="{FF2B5EF4-FFF2-40B4-BE49-F238E27FC236}">
-                <a16:creationId xmlns:a16="http://schemas.microsoft.com/office/drawing/2014/main" id="{B0E48724-0AF9-4B55-8C54-000E1712C365}"/>
-              </a:ext>
-            </a:extLst>
-          </p:cNvPr>
-          <p:cNvSpPr>
-            <a:spLocks noGrp="1"/>
-          </p:cNvSpPr>
-          <p:nvPr>
-            <p:ph idx="1"/>
+          <p:cNvPr id="3" name="内容占位符 2"/>
+          <p:cNvSpPr>
+            <a:spLocks noGrp="1"/>
+          </p:cNvSpPr>
+          <p:nvPr>
+            <p:ph idx="1" hasCustomPrompt="1"/>
           </p:nvPr>
         </p:nvSpPr>
         <p:spPr>
@@ -2259,6 +1932,7 @@
               <a:rPr lang="zh-CN" altLang="en-US"/>
               <a:t>编辑母版文本样式</a:t>
             </a:r>
+            <a:endParaRPr lang="zh-CN" altLang="en-US"/>
           </a:p>
           <a:p>
             <a:pPr lvl="1"/>
@@ -2266,6 +1940,7 @@
               <a:rPr lang="zh-CN" altLang="en-US"/>
               <a:t>第二级</a:t>
             </a:r>
+            <a:endParaRPr lang="zh-CN" altLang="en-US"/>
           </a:p>
           <a:p>
             <a:pPr lvl="2"/>
@@ -2273,6 +1948,7 @@
               <a:rPr lang="zh-CN" altLang="en-US"/>
               <a:t>第三级</a:t>
             </a:r>
+            <a:endParaRPr lang="zh-CN" altLang="en-US"/>
           </a:p>
           <a:p>
             <a:pPr lvl="3"/>
@@ -2280,6 +1956,7 @@
               <a:rPr lang="zh-CN" altLang="en-US"/>
               <a:t>第四级</a:t>
             </a:r>
+            <a:endParaRPr lang="zh-CN" altLang="en-US"/>
           </a:p>
           <a:p>
             <a:pPr lvl="4"/>
@@ -2292,18 +1969,12 @@
       </p:sp>
       <p:sp>
         <p:nvSpPr>
-          <p:cNvPr id="4" name="文本占位符 3">
-            <a:extLst>
-              <a:ext uri="{FF2B5EF4-FFF2-40B4-BE49-F238E27FC236}">
-                <a16:creationId xmlns:a16="http://schemas.microsoft.com/office/drawing/2014/main" id="{8A49965E-F17F-4C65-84F1-56BB9F5C92FB}"/>
-              </a:ext>
-            </a:extLst>
-          </p:cNvPr>
-          <p:cNvSpPr>
-            <a:spLocks noGrp="1"/>
-          </p:cNvSpPr>
-          <p:nvPr>
-            <p:ph type="body" sz="half" idx="2"/>
+          <p:cNvPr id="4" name="文本占位符 3"/>
+          <p:cNvSpPr>
+            <a:spLocks noGrp="1"/>
+          </p:cNvSpPr>
+          <p:nvPr>
+            <p:ph type="body" sz="half" idx="2" hasCustomPrompt="1"/>
           </p:nvPr>
         </p:nvSpPr>
         <p:spPr>
@@ -2363,13 +2034,7 @@
       </p:sp>
       <p:sp>
         <p:nvSpPr>
-          <p:cNvPr id="5" name="日期占位符 4">
-            <a:extLst>
-              <a:ext uri="{FF2B5EF4-FFF2-40B4-BE49-F238E27FC236}">
-                <a16:creationId xmlns:a16="http://schemas.microsoft.com/office/drawing/2014/main" id="{6350ED95-FF47-4D20-AF9E-09317A66776E}"/>
-              </a:ext>
-            </a:extLst>
-          </p:cNvPr>
+          <p:cNvPr id="5" name="日期占位符 4"/>
           <p:cNvSpPr>
             <a:spLocks noGrp="1"/>
           </p:cNvSpPr>
@@ -2384,7 +2049,6 @@
           <a:p>
             <a:fld id="{A4CF11D9-4925-4C55-8C47-9A43BE7063E1}" type="datetimeFigureOut">
               <a:rPr lang="zh-CN" altLang="en-US" smtClean="0"/>
-              <a:t>2017/6/28</a:t>
             </a:fld>
             <a:endParaRPr lang="zh-CN" altLang="en-US"/>
           </a:p>
@@ -2392,13 +2056,7 @@
       </p:sp>
       <p:sp>
         <p:nvSpPr>
-          <p:cNvPr id="6" name="页脚占位符 5">
-            <a:extLst>
-              <a:ext uri="{FF2B5EF4-FFF2-40B4-BE49-F238E27FC236}">
-                <a16:creationId xmlns:a16="http://schemas.microsoft.com/office/drawing/2014/main" id="{E7E52009-7D14-4969-9899-4489387460EE}"/>
-              </a:ext>
-            </a:extLst>
-          </p:cNvPr>
+          <p:cNvPr id="6" name="页脚占位符 5"/>
           <p:cNvSpPr>
             <a:spLocks noGrp="1"/>
           </p:cNvSpPr>
@@ -2417,13 +2075,7 @@
       </p:sp>
       <p:sp>
         <p:nvSpPr>
-          <p:cNvPr id="7" name="灯片编号占位符 6">
-            <a:extLst>
-              <a:ext uri="{FF2B5EF4-FFF2-40B4-BE49-F238E27FC236}">
-                <a16:creationId xmlns:a16="http://schemas.microsoft.com/office/drawing/2014/main" id="{39FA5187-6749-477D-954F-2AE25222B439}"/>
-              </a:ext>
-            </a:extLst>
-          </p:cNvPr>
+          <p:cNvPr id="7" name="灯片编号占位符 6"/>
           <p:cNvSpPr>
             <a:spLocks noGrp="1"/>
           </p:cNvSpPr>
@@ -2438,18 +2090,12 @@
           <a:p>
             <a:fld id="{05B5510B-0BA4-484C-B39E-52421444D824}" type="slidenum">
               <a:rPr lang="zh-CN" altLang="en-US" smtClean="0"/>
-              <a:t>‹#›</a:t>
             </a:fld>
             <a:endParaRPr lang="zh-CN" altLang="en-US"/>
           </a:p>
         </p:txBody>
       </p:sp>
     </p:spTree>
-    <p:extLst>
-      <p:ext uri="{BB962C8B-B14F-4D97-AF65-F5344CB8AC3E}">
-        <p14:creationId xmlns:p14="http://schemas.microsoft.com/office/powerpoint/2010/main" val="2226559583"/>
-      </p:ext>
-    </p:extLst>
   </p:cSld>
   <p:clrMapOvr>
     <a:masterClrMapping/>
@@ -2476,13 +2122,7 @@
       </p:grpSpPr>
       <p:sp>
         <p:nvSpPr>
-          <p:cNvPr id="2" name="标题 1">
-            <a:extLst>
-              <a:ext uri="{FF2B5EF4-FFF2-40B4-BE49-F238E27FC236}">
-                <a16:creationId xmlns:a16="http://schemas.microsoft.com/office/drawing/2014/main" id="{E6AB7664-C69E-499B-A872-0DA5A257B4E6}"/>
-              </a:ext>
-            </a:extLst>
-          </p:cNvPr>
+          <p:cNvPr id="2" name="标题 1"/>
           <p:cNvSpPr>
             <a:spLocks noGrp="1"/>
           </p:cNvSpPr>
@@ -2513,13 +2153,7 @@
       </p:sp>
       <p:sp>
         <p:nvSpPr>
-          <p:cNvPr id="3" name="图片占位符 2">
-            <a:extLst>
-              <a:ext uri="{FF2B5EF4-FFF2-40B4-BE49-F238E27FC236}">
-                <a16:creationId xmlns:a16="http://schemas.microsoft.com/office/drawing/2014/main" id="{8FEB4EDD-FC88-4EBC-8EA4-08F90DA6E05C}"/>
-              </a:ext>
-            </a:extLst>
-          </p:cNvPr>
+          <p:cNvPr id="3" name="图片占位符 2"/>
           <p:cNvSpPr>
             <a:spLocks noGrp="1"/>
           </p:cNvSpPr>
@@ -2580,18 +2214,12 @@
       </p:sp>
       <p:sp>
         <p:nvSpPr>
-          <p:cNvPr id="4" name="文本占位符 3">
-            <a:extLst>
-              <a:ext uri="{FF2B5EF4-FFF2-40B4-BE49-F238E27FC236}">
-                <a16:creationId xmlns:a16="http://schemas.microsoft.com/office/drawing/2014/main" id="{14D9830D-519C-4930-9FFA-730D72F05F39}"/>
-              </a:ext>
-            </a:extLst>
-          </p:cNvPr>
-          <p:cNvSpPr>
-            <a:spLocks noGrp="1"/>
-          </p:cNvSpPr>
-          <p:nvPr>
-            <p:ph type="body" sz="half" idx="2"/>
+          <p:cNvPr id="4" name="文本占位符 3"/>
+          <p:cNvSpPr>
+            <a:spLocks noGrp="1"/>
+          </p:cNvSpPr>
+          <p:nvPr>
+            <p:ph type="body" sz="half" idx="2" hasCustomPrompt="1"/>
           </p:nvPr>
         </p:nvSpPr>
         <p:spPr>
@@ -2651,13 +2279,7 @@
       </p:sp>
       <p:sp>
         <p:nvSpPr>
-          <p:cNvPr id="5" name="日期占位符 4">
-            <a:extLst>
-              <a:ext uri="{FF2B5EF4-FFF2-40B4-BE49-F238E27FC236}">
-                <a16:creationId xmlns:a16="http://schemas.microsoft.com/office/drawing/2014/main" id="{D6205412-AE9C-487E-98BA-5EF41FB0F10C}"/>
-              </a:ext>
-            </a:extLst>
-          </p:cNvPr>
+          <p:cNvPr id="5" name="日期占位符 4"/>
           <p:cNvSpPr>
             <a:spLocks noGrp="1"/>
           </p:cNvSpPr>
@@ -2672,7 +2294,6 @@
           <a:p>
             <a:fld id="{A4CF11D9-4925-4C55-8C47-9A43BE7063E1}" type="datetimeFigureOut">
               <a:rPr lang="zh-CN" altLang="en-US" smtClean="0"/>
-              <a:t>2017/6/28</a:t>
             </a:fld>
             <a:endParaRPr lang="zh-CN" altLang="en-US"/>
           </a:p>
@@ -2680,13 +2301,7 @@
       </p:sp>
       <p:sp>
         <p:nvSpPr>
-          <p:cNvPr id="6" name="页脚占位符 5">
-            <a:extLst>
-              <a:ext uri="{FF2B5EF4-FFF2-40B4-BE49-F238E27FC236}">
-                <a16:creationId xmlns:a16="http://schemas.microsoft.com/office/drawing/2014/main" id="{A3426666-63C7-4591-BDA8-07D13D1C554B}"/>
-              </a:ext>
-            </a:extLst>
-          </p:cNvPr>
+          <p:cNvPr id="6" name="页脚占位符 5"/>
           <p:cNvSpPr>
             <a:spLocks noGrp="1"/>
           </p:cNvSpPr>
@@ -2705,13 +2320,7 @@
       </p:sp>
       <p:sp>
         <p:nvSpPr>
-          <p:cNvPr id="7" name="灯片编号占位符 6">
-            <a:extLst>
-              <a:ext uri="{FF2B5EF4-FFF2-40B4-BE49-F238E27FC236}">
-                <a16:creationId xmlns:a16="http://schemas.microsoft.com/office/drawing/2014/main" id="{745DF753-A15A-400E-A14D-55C3AD0C4E43}"/>
-              </a:ext>
-            </a:extLst>
-          </p:cNvPr>
+          <p:cNvPr id="7" name="灯片编号占位符 6"/>
           <p:cNvSpPr>
             <a:spLocks noGrp="1"/>
           </p:cNvSpPr>
@@ -2726,18 +2335,12 @@
           <a:p>
             <a:fld id="{05B5510B-0BA4-484C-B39E-52421444D824}" type="slidenum">
               <a:rPr lang="zh-CN" altLang="en-US" smtClean="0"/>
-              <a:t>‹#›</a:t>
             </a:fld>
             <a:endParaRPr lang="zh-CN" altLang="en-US"/>
           </a:p>
         </p:txBody>
       </p:sp>
     </p:spTree>
-    <p:extLst>
-      <p:ext uri="{BB962C8B-B14F-4D97-AF65-F5344CB8AC3E}">
-        <p14:creationId xmlns:p14="http://schemas.microsoft.com/office/powerpoint/2010/main" val="693046227"/>
-      </p:ext>
-    </p:extLst>
   </p:cSld>
   <p:clrMapOvr>
     <a:masterClrMapping/>
@@ -2769,13 +2372,7 @@
       </p:grpSpPr>
       <p:sp>
         <p:nvSpPr>
-          <p:cNvPr id="2" name="标题占位符 1">
-            <a:extLst>
-              <a:ext uri="{FF2B5EF4-FFF2-40B4-BE49-F238E27FC236}">
-                <a16:creationId xmlns:a16="http://schemas.microsoft.com/office/drawing/2014/main" id="{AB90A72C-CBC1-4F1A-949C-4437EA65B204}"/>
-              </a:ext>
-            </a:extLst>
-          </p:cNvPr>
+          <p:cNvPr id="2" name="标题占位符 1"/>
           <p:cNvSpPr>
             <a:spLocks noGrp="1"/>
           </p:cNvSpPr>
@@ -2807,13 +2404,7 @@
       </p:sp>
       <p:sp>
         <p:nvSpPr>
-          <p:cNvPr id="3" name="文本占位符 2">
-            <a:extLst>
-              <a:ext uri="{FF2B5EF4-FFF2-40B4-BE49-F238E27FC236}">
-                <a16:creationId xmlns:a16="http://schemas.microsoft.com/office/drawing/2014/main" id="{437CB98E-9066-4A5D-A8D7-94FE2C0B6534}"/>
-              </a:ext>
-            </a:extLst>
-          </p:cNvPr>
+          <p:cNvPr id="3" name="文本占位符 2"/>
           <p:cNvSpPr>
             <a:spLocks noGrp="1"/>
           </p:cNvSpPr>
@@ -2841,6 +2432,7 @@
               <a:rPr lang="zh-CN" altLang="en-US"/>
               <a:t>编辑母版文本样式</a:t>
             </a:r>
+            <a:endParaRPr lang="zh-CN" altLang="en-US"/>
           </a:p>
           <a:p>
             <a:pPr lvl="1"/>
@@ -2848,6 +2440,7 @@
               <a:rPr lang="zh-CN" altLang="en-US"/>
               <a:t>第二级</a:t>
             </a:r>
+            <a:endParaRPr lang="zh-CN" altLang="en-US"/>
           </a:p>
           <a:p>
             <a:pPr lvl="2"/>
@@ -2855,6 +2448,7 @@
               <a:rPr lang="zh-CN" altLang="en-US"/>
               <a:t>第三级</a:t>
             </a:r>
+            <a:endParaRPr lang="zh-CN" altLang="en-US"/>
           </a:p>
           <a:p>
             <a:pPr lvl="3"/>
@@ -2862,6 +2456,7 @@
               <a:rPr lang="zh-CN" altLang="en-US"/>
               <a:t>第四级</a:t>
             </a:r>
+            <a:endParaRPr lang="zh-CN" altLang="en-US"/>
           </a:p>
           <a:p>
             <a:pPr lvl="4"/>
@@ -2874,13 +2469,7 @@
       </p:sp>
       <p:sp>
         <p:nvSpPr>
-          <p:cNvPr id="4" name="日期占位符 3">
-            <a:extLst>
-              <a:ext uri="{FF2B5EF4-FFF2-40B4-BE49-F238E27FC236}">
-                <a16:creationId xmlns:a16="http://schemas.microsoft.com/office/drawing/2014/main" id="{F3D06EFA-E3A3-4621-9798-05155DC2AA23}"/>
-              </a:ext>
-            </a:extLst>
-          </p:cNvPr>
+          <p:cNvPr id="4" name="日期占位符 3"/>
           <p:cNvSpPr>
             <a:spLocks noGrp="1"/>
           </p:cNvSpPr>
@@ -2913,7 +2502,6 @@
           <a:p>
             <a:fld id="{A4CF11D9-4925-4C55-8C47-9A43BE7063E1}" type="datetimeFigureOut">
               <a:rPr lang="zh-CN" altLang="en-US" smtClean="0"/>
-              <a:t>2017/6/28</a:t>
             </a:fld>
             <a:endParaRPr lang="zh-CN" altLang="en-US"/>
           </a:p>
@@ -2921,13 +2509,7 @@
       </p:sp>
       <p:sp>
         <p:nvSpPr>
-          <p:cNvPr id="5" name="页脚占位符 4">
-            <a:extLst>
-              <a:ext uri="{FF2B5EF4-FFF2-40B4-BE49-F238E27FC236}">
-                <a16:creationId xmlns:a16="http://schemas.microsoft.com/office/drawing/2014/main" id="{E106D9CC-95D1-4165-B79B-2C6753234A34}"/>
-              </a:ext>
-            </a:extLst>
-          </p:cNvPr>
+          <p:cNvPr id="5" name="页脚占位符 4"/>
           <p:cNvSpPr>
             <a:spLocks noGrp="1"/>
           </p:cNvSpPr>
@@ -2964,13 +2546,7 @@
       </p:sp>
       <p:sp>
         <p:nvSpPr>
-          <p:cNvPr id="6" name="灯片编号占位符 5">
-            <a:extLst>
-              <a:ext uri="{FF2B5EF4-FFF2-40B4-BE49-F238E27FC236}">
-                <a16:creationId xmlns:a16="http://schemas.microsoft.com/office/drawing/2014/main" id="{701F6AAF-4F5D-4340-B31C-DED64428C5D8}"/>
-              </a:ext>
-            </a:extLst>
-          </p:cNvPr>
+          <p:cNvPr id="6" name="灯片编号占位符 5"/>
           <p:cNvSpPr>
             <a:spLocks noGrp="1"/>
           </p:cNvSpPr>
@@ -3003,18 +2579,12 @@
           <a:p>
             <a:fld id="{05B5510B-0BA4-484C-B39E-52421444D824}" type="slidenum">
               <a:rPr lang="zh-CN" altLang="en-US" smtClean="0"/>
-              <a:t>‹#›</a:t>
             </a:fld>
             <a:endParaRPr lang="zh-CN" altLang="en-US"/>
           </a:p>
         </p:txBody>
       </p:sp>
     </p:spTree>
-    <p:extLst>
-      <p:ext uri="{BB962C8B-B14F-4D97-AF65-F5344CB8AC3E}">
-        <p14:creationId xmlns:p14="http://schemas.microsoft.com/office/powerpoint/2010/main" val="3141446528"/>
-      </p:ext>
-    </p:extLst>
   </p:cSld>
   <p:clrMap bg1="lt1" tx1="dk1" bg2="lt2" tx2="dk2" accent1="accent1" accent2="accent2" accent3="accent3" accent4="accent4" accent5="accent5" accent6="accent6" hlink="hlink" folHlink="folHlink"/>
   <p:sldLayoutIdLst>
@@ -3058,7 +2628,7 @@
         <a:spcBef>
           <a:spcPts val="1000"/>
         </a:spcBef>
-        <a:buFont typeface="Arial" panose="020B0604020202020204" pitchFamily="34" charset="0"/>
+        <a:buFont typeface="Arial" panose="02080604020202020204" charset="0"/>
         <a:buChar char="•"/>
         <a:defRPr sz="2800" kern="1200">
           <a:solidFill>
@@ -3076,7 +2646,7 @@
         <a:spcBef>
           <a:spcPts val="500"/>
         </a:spcBef>
-        <a:buFont typeface="Arial" panose="020B0604020202020204" pitchFamily="34" charset="0"/>
+        <a:buFont typeface="Arial" panose="02080604020202020204" charset="0"/>
         <a:buChar char="•"/>
         <a:defRPr sz="2400" kern="1200">
           <a:solidFill>
@@ -3094,7 +2664,7 @@
         <a:spcBef>
           <a:spcPts val="500"/>
         </a:spcBef>
-        <a:buFont typeface="Arial" panose="020B0604020202020204" pitchFamily="34" charset="0"/>
+        <a:buFont typeface="Arial" panose="02080604020202020204" charset="0"/>
         <a:buChar char="•"/>
         <a:defRPr sz="2000" kern="1200">
           <a:solidFill>
@@ -3112,7 +2682,7 @@
         <a:spcBef>
           <a:spcPts val="500"/>
         </a:spcBef>
-        <a:buFont typeface="Arial" panose="020B0604020202020204" pitchFamily="34" charset="0"/>
+        <a:buFont typeface="Arial" panose="02080604020202020204" charset="0"/>
         <a:buChar char="•"/>
         <a:defRPr sz="1800" kern="1200">
           <a:solidFill>
@@ -3130,7 +2700,7 @@
         <a:spcBef>
           <a:spcPts val="500"/>
         </a:spcBef>
-        <a:buFont typeface="Arial" panose="020B0604020202020204" pitchFamily="34" charset="0"/>
+        <a:buFont typeface="Arial" panose="02080604020202020204" charset="0"/>
         <a:buChar char="•"/>
         <a:defRPr sz="1800" kern="1200">
           <a:solidFill>
@@ -3148,7 +2718,7 @@
         <a:spcBef>
           <a:spcPts val="500"/>
         </a:spcBef>
-        <a:buFont typeface="Arial" panose="020B0604020202020204" pitchFamily="34" charset="0"/>
+        <a:buFont typeface="Arial" panose="02080604020202020204" charset="0"/>
         <a:buChar char="•"/>
         <a:defRPr sz="1800" kern="1200">
           <a:solidFill>
@@ -3166,7 +2736,7 @@
         <a:spcBef>
           <a:spcPts val="500"/>
         </a:spcBef>
-        <a:buFont typeface="Arial" panose="020B0604020202020204" pitchFamily="34" charset="0"/>
+        <a:buFont typeface="Arial" panose="02080604020202020204" charset="0"/>
         <a:buChar char="•"/>
         <a:defRPr sz="1800" kern="1200">
           <a:solidFill>
@@ -3184,7 +2754,7 @@
         <a:spcBef>
           <a:spcPts val="500"/>
         </a:spcBef>
-        <a:buFont typeface="Arial" panose="020B0604020202020204" pitchFamily="34" charset="0"/>
+        <a:buFont typeface="Arial" panose="02080604020202020204" charset="0"/>
         <a:buChar char="•"/>
         <a:defRPr sz="1800" kern="1200">
           <a:solidFill>
@@ -3202,7 +2772,7 @@
         <a:spcBef>
           <a:spcPts val="500"/>
         </a:spcBef>
-        <a:buFont typeface="Arial" panose="020B0604020202020204" pitchFamily="34" charset="0"/>
+        <a:buFont typeface="Arial" panose="02080604020202020204" charset="0"/>
         <a:buChar char="•"/>
         <a:defRPr sz="1800" kern="1200">
           <a:solidFill>
@@ -3332,13 +2902,37 @@
       </p:grpSpPr>
       <p:pic>
         <p:nvPicPr>
-          <p:cNvPr id="7" name="图片 6">
+          <p:cNvPr id="7" name="图片 6"/>
+          <p:cNvPicPr>
+            <a:picLocks noChangeAspect="1"/>
+          </p:cNvPicPr>
+          <p:nvPr/>
+        </p:nvPicPr>
+        <p:blipFill>
+          <a:blip r:embed="rId1">
             <a:extLst>
-              <a:ext uri="{FF2B5EF4-FFF2-40B4-BE49-F238E27FC236}">
-                <a16:creationId xmlns:a16="http://schemas.microsoft.com/office/drawing/2014/main" id="{B0087D11-8824-4757-84F1-F88FC84A36AA}"/>
+              <a:ext uri="{28A0092B-C50C-407E-A947-70E740481C1C}">
+                <a14:useLocalDpi xmlns:a14="http://schemas.microsoft.com/office/drawing/2010/main" val="0"/>
               </a:ext>
             </a:extLst>
-          </p:cNvPr>
+          </a:blip>
+          <a:stretch>
+            <a:fillRect/>
+          </a:stretch>
+        </p:blipFill>
+        <p:spPr>
+          <a:xfrm>
+            <a:off x="0" y="0"/>
+            <a:ext cx="12192000" cy="6858000"/>
+          </a:xfrm>
+          <a:prstGeom prst="rect">
+            <a:avLst/>
+          </a:prstGeom>
+        </p:spPr>
+      </p:pic>
+      <p:pic>
+        <p:nvPicPr>
+          <p:cNvPr id="5" name="图片 4"/>
           <p:cNvPicPr>
             <a:picLocks noChangeAspect="1"/>
           </p:cNvPicPr>
@@ -3366,48 +2960,7 @@
           </a:prstGeom>
         </p:spPr>
       </p:pic>
-      <p:pic>
-        <p:nvPicPr>
-          <p:cNvPr id="5" name="图片 4">
-            <a:extLst>
-              <a:ext uri="{FF2B5EF4-FFF2-40B4-BE49-F238E27FC236}">
-                <a16:creationId xmlns:a16="http://schemas.microsoft.com/office/drawing/2014/main" id="{729ADB73-AA8A-4110-A0A3-636E787651D8}"/>
-              </a:ext>
-            </a:extLst>
-          </p:cNvPr>
-          <p:cNvPicPr>
-            <a:picLocks noChangeAspect="1"/>
-          </p:cNvPicPr>
-          <p:nvPr/>
-        </p:nvPicPr>
-        <p:blipFill>
-          <a:blip r:embed="rId3">
-            <a:extLst>
-              <a:ext uri="{28A0092B-C50C-407E-A947-70E740481C1C}">
-                <a14:useLocalDpi xmlns:a14="http://schemas.microsoft.com/office/drawing/2010/main" val="0"/>
-              </a:ext>
-            </a:extLst>
-          </a:blip>
-          <a:stretch>
-            <a:fillRect/>
-          </a:stretch>
-        </p:blipFill>
-        <p:spPr>
-          <a:xfrm>
-            <a:off x="0" y="0"/>
-            <a:ext cx="12192000" cy="6858000"/>
-          </a:xfrm>
-          <a:prstGeom prst="rect">
-            <a:avLst/>
-          </a:prstGeom>
-        </p:spPr>
-      </p:pic>
     </p:spTree>
-    <p:extLst>
-      <p:ext uri="{BB962C8B-B14F-4D97-AF65-F5344CB8AC3E}">
-        <p14:creationId xmlns:p14="http://schemas.microsoft.com/office/powerpoint/2010/main" val="1888904603"/>
-      </p:ext>
-    </p:extLst>
   </p:cSld>
   <p:clrMapOvr>
     <a:masterClrMapping/>
@@ -3638,20 +3191,14 @@
       </p:grpSpPr>
       <p:pic>
         <p:nvPicPr>
-          <p:cNvPr id="3" name="图片 2">
-            <a:extLst>
-              <a:ext uri="{FF2B5EF4-FFF2-40B4-BE49-F238E27FC236}">
-                <a16:creationId xmlns:a16="http://schemas.microsoft.com/office/drawing/2014/main" id="{07192A10-A3FF-45C1-910D-2EF430B68619}"/>
-              </a:ext>
-            </a:extLst>
-          </p:cNvPr>
+          <p:cNvPr id="3" name="图片 2"/>
           <p:cNvPicPr>
             <a:picLocks noChangeAspect="1"/>
           </p:cNvPicPr>
           <p:nvPr/>
         </p:nvPicPr>
         <p:blipFill>
-          <a:blip r:embed="rId2">
+          <a:blip r:embed="rId1">
             <a:extLst>
               <a:ext uri="{28A0092B-C50C-407E-A947-70E740481C1C}">
                 <a14:useLocalDpi xmlns:a14="http://schemas.microsoft.com/office/drawing/2010/main" val="0"/>
@@ -3674,20 +3221,14 @@
       </p:pic>
       <p:pic>
         <p:nvPicPr>
-          <p:cNvPr id="5" name="图片 4">
-            <a:extLst>
-              <a:ext uri="{FF2B5EF4-FFF2-40B4-BE49-F238E27FC236}">
-                <a16:creationId xmlns:a16="http://schemas.microsoft.com/office/drawing/2014/main" id="{96968301-E312-4F01-8425-C65F5A27E249}"/>
-              </a:ext>
-            </a:extLst>
-          </p:cNvPr>
+          <p:cNvPr id="5" name="图片 4"/>
           <p:cNvPicPr>
             <a:picLocks noChangeAspect="1"/>
           </p:cNvPicPr>
           <p:nvPr/>
         </p:nvPicPr>
         <p:blipFill>
-          <a:blip r:embed="rId3">
+          <a:blip r:embed="rId2">
             <a:extLst>
               <a:ext uri="{28A0092B-C50C-407E-A947-70E740481C1C}">
                 <a14:useLocalDpi xmlns:a14="http://schemas.microsoft.com/office/drawing/2010/main" val="0"/>
@@ -3709,11 +3250,6 @@
         </p:spPr>
       </p:pic>
     </p:spTree>
-    <p:extLst>
-      <p:ext uri="{BB962C8B-B14F-4D97-AF65-F5344CB8AC3E}">
-        <p14:creationId xmlns:p14="http://schemas.microsoft.com/office/powerpoint/2010/main" val="35152813"/>
-      </p:ext>
-    </p:extLst>
   </p:cSld>
   <p:clrMapOvr>
     <a:masterClrMapping/>
@@ -3993,20 +3529,14 @@
       </p:grpSpPr>
       <p:pic>
         <p:nvPicPr>
-          <p:cNvPr id="3" name="图片 2">
-            <a:extLst>
-              <a:ext uri="{FF2B5EF4-FFF2-40B4-BE49-F238E27FC236}">
-                <a16:creationId xmlns:a16="http://schemas.microsoft.com/office/drawing/2014/main" id="{109ECD3E-3201-45A5-9AE1-8638C8E5BD43}"/>
-              </a:ext>
-            </a:extLst>
-          </p:cNvPr>
+          <p:cNvPr id="3" name="图片 2"/>
           <p:cNvPicPr>
             <a:picLocks noChangeAspect="1"/>
           </p:cNvPicPr>
           <p:nvPr/>
         </p:nvPicPr>
         <p:blipFill>
-          <a:blip r:embed="rId2">
+          <a:blip r:embed="rId1">
             <a:extLst>
               <a:ext uri="{28A0092B-C50C-407E-A947-70E740481C1C}">
                 <a14:useLocalDpi xmlns:a14="http://schemas.microsoft.com/office/drawing/2010/main" val="0"/>
@@ -4028,11 +3558,6 @@
         </p:spPr>
       </p:pic>
     </p:spTree>
-    <p:extLst>
-      <p:ext uri="{BB962C8B-B14F-4D97-AF65-F5344CB8AC3E}">
-        <p14:creationId xmlns:p14="http://schemas.microsoft.com/office/powerpoint/2010/main" val="4004387447"/>
-      </p:ext>
-    </p:extLst>
   </p:cSld>
   <p:clrMapOvr>
     <a:masterClrMapping/>
@@ -4062,20 +3587,14 @@
       </p:grpSpPr>
       <p:pic>
         <p:nvPicPr>
-          <p:cNvPr id="3" name="图片 2">
-            <a:extLst>
-              <a:ext uri="{FF2B5EF4-FFF2-40B4-BE49-F238E27FC236}">
-                <a16:creationId xmlns:a16="http://schemas.microsoft.com/office/drawing/2014/main" id="{0E3EB9D1-A00B-40B1-813A-EE34E16CBB2E}"/>
-              </a:ext>
-            </a:extLst>
-          </p:cNvPr>
+          <p:cNvPr id="3" name="图片 2"/>
           <p:cNvPicPr>
             <a:picLocks noChangeAspect="1"/>
           </p:cNvPicPr>
           <p:nvPr/>
         </p:nvPicPr>
         <p:blipFill>
-          <a:blip r:embed="rId2">
+          <a:blip r:embed="rId1">
             <a:extLst>
               <a:ext uri="{28A0092B-C50C-407E-A947-70E740481C1C}">
                 <a14:useLocalDpi xmlns:a14="http://schemas.microsoft.com/office/drawing/2010/main" val="0"/>
@@ -4097,11 +3616,6 @@
         </p:spPr>
       </p:pic>
     </p:spTree>
-    <p:extLst>
-      <p:ext uri="{BB962C8B-B14F-4D97-AF65-F5344CB8AC3E}">
-        <p14:creationId xmlns:p14="http://schemas.microsoft.com/office/powerpoint/2010/main" val="1605698865"/>
-      </p:ext>
-    </p:extLst>
   </p:cSld>
   <p:clrMapOvr>
     <a:masterClrMapping/>
@@ -4131,20 +3645,14 @@
       </p:grpSpPr>
       <p:pic>
         <p:nvPicPr>
-          <p:cNvPr id="3" name="图片 2">
-            <a:extLst>
-              <a:ext uri="{FF2B5EF4-FFF2-40B4-BE49-F238E27FC236}">
-                <a16:creationId xmlns:a16="http://schemas.microsoft.com/office/drawing/2014/main" id="{D255DC73-400D-4EFC-9509-4C6C31AF4B65}"/>
-              </a:ext>
-            </a:extLst>
-          </p:cNvPr>
+          <p:cNvPr id="3" name="图片 2"/>
           <p:cNvPicPr>
             <a:picLocks noChangeAspect="1"/>
           </p:cNvPicPr>
           <p:nvPr/>
         </p:nvPicPr>
         <p:blipFill>
-          <a:blip r:embed="rId2">
+          <a:blip r:embed="rId1">
             <a:extLst>
               <a:ext uri="{28A0092B-C50C-407E-A947-70E740481C1C}">
                 <a14:useLocalDpi xmlns:a14="http://schemas.microsoft.com/office/drawing/2010/main" val="0"/>
@@ -4166,11 +3674,6 @@
         </p:spPr>
       </p:pic>
     </p:spTree>
-    <p:extLst>
-      <p:ext uri="{BB962C8B-B14F-4D97-AF65-F5344CB8AC3E}">
-        <p14:creationId xmlns:p14="http://schemas.microsoft.com/office/powerpoint/2010/main" val="2236765960"/>
-      </p:ext>
-    </p:extLst>
   </p:cSld>
   <p:clrMapOvr>
     <a:masterClrMapping/>
@@ -4209,7 +3712,7 @@
           </p:nvPr>
         </p:nvPicPr>
         <p:blipFill>
-          <a:blip r:embed="rId2"/>
+          <a:blip r:embed="rId1"/>
           <a:stretch>
             <a:fillRect/>
           </a:stretch>
@@ -4225,11 +3728,6 @@
         </p:spPr>
       </p:pic>
     </p:spTree>
-    <p:extLst>
-      <p:ext uri="{BB962C8B-B14F-4D97-AF65-F5344CB8AC3E}">
-        <p14:creationId xmlns:p14="http://schemas.microsoft.com/office/powerpoint/2010/main" val="2319671323"/>
-      </p:ext>
-    </p:extLst>
   </p:cSld>
   <p:clrMapOvr>
     <a:masterClrMapping/>
@@ -4280,7 +3778,7 @@
     </a:clrScheme>
     <a:fontScheme name="Office">
       <a:majorFont>
-        <a:latin typeface="等线 Light" panose="020F0302020204030204"/>
+        <a:latin typeface="等线 Light"/>
         <a:ea typeface=""/>
         <a:cs typeface=""/>
         <a:font script="Jpan" typeface="游ゴシック Light"/>
@@ -4313,26 +3811,9 @@
         <a:font script="Viet" typeface="Times New Roman"/>
         <a:font script="Uigh" typeface="Microsoft Uighur"/>
         <a:font script="Geor" typeface="Sylfaen"/>
-        <a:font script="Armn" typeface="Arial"/>
-        <a:font script="Bugi" typeface="Leelawadee UI"/>
-        <a:font script="Bopo" typeface="Microsoft JhengHei"/>
-        <a:font script="Java" typeface="Javanese Text"/>
-        <a:font script="Lisu" typeface="Segoe UI"/>
-        <a:font script="Mymr" typeface="Myanmar Text"/>
-        <a:font script="Nkoo" typeface="Ebrima"/>
-        <a:font script="Olck" typeface="Nirmala UI"/>
-        <a:font script="Osma" typeface="Ebrima"/>
-        <a:font script="Phag" typeface="Phagspa"/>
-        <a:font script="Syrn" typeface="Estrangelo Edessa"/>
-        <a:font script="Syrj" typeface="Estrangelo Edessa"/>
-        <a:font script="Syre" typeface="Estrangelo Edessa"/>
-        <a:font script="Sora" typeface="Nirmala UI"/>
-        <a:font script="Tale" typeface="Microsoft Tai Le"/>
-        <a:font script="Talu" typeface="Microsoft New Tai Lue"/>
-        <a:font script="Tfng" typeface="Ebrima"/>
       </a:majorFont>
       <a:minorFont>
-        <a:latin typeface="等线" panose="020F0502020204030204"/>
+        <a:latin typeface="等线"/>
         <a:ea typeface=""/>
         <a:cs typeface=""/>
         <a:font script="Jpan" typeface="游ゴシック"/>
@@ -4365,23 +3846,6 @@
         <a:font script="Viet" typeface="Arial"/>
         <a:font script="Uigh" typeface="Microsoft Uighur"/>
         <a:font script="Geor" typeface="Sylfaen"/>
-        <a:font script="Armn" typeface="Arial"/>
-        <a:font script="Bugi" typeface="Leelawadee UI"/>
-        <a:font script="Bopo" typeface="Microsoft JhengHei"/>
-        <a:font script="Java" typeface="Javanese Text"/>
-        <a:font script="Lisu" typeface="Segoe UI"/>
-        <a:font script="Mymr" typeface="Myanmar Text"/>
-        <a:font script="Nkoo" typeface="Ebrima"/>
-        <a:font script="Olck" typeface="Nirmala UI"/>
-        <a:font script="Osma" typeface="Ebrima"/>
-        <a:font script="Phag" typeface="Phagspa"/>
-        <a:font script="Syrn" typeface="Estrangelo Edessa"/>
-        <a:font script="Syrj" typeface="Estrangelo Edessa"/>
-        <a:font script="Syre" typeface="Estrangelo Edessa"/>
-        <a:font script="Sora" typeface="Nirmala UI"/>
-        <a:font script="Tale" typeface="Microsoft Tai Le"/>
-        <a:font script="Talu" typeface="Microsoft New Tai Lue"/>
-        <a:font script="Tfng" typeface="Ebrima"/>
       </a:minorFont>
     </a:fontScheme>
     <a:fmtScheme name="Office">
